--- a/Movie/posterPR_130.pptx
+++ b/Movie/posterPR_130.pptx
@@ -287,7 +287,7 @@
             <a:fld id="{055FF6D4-D4D7-426A-98F7-170A3668379E}" type="datetime1">
               <a:rPr lang="en-US" smtClean="0"/>
               <a:pPr/>
-              <a:t>18/03/20</a:t>
+              <a:t>18/04/02</a:t>
             </a:fld>
             <a:endParaRPr lang="en-US" dirty="0"/>
           </a:p>
@@ -487,7 +487,7 @@
           <a:lstStyle/>
           <a:p>
             <a:fld id="{F5A644E5-93D9-C14E-96B8-3851E51A9DF2}" type="datetimeFigureOut">
-              <a:t>18/03/20</a:t>
+              <a:t>18/04/02</a:t>
             </a:fld>
             <a:endParaRPr kumimoji="1" lang="ja-JP" altLang="en-US"/>
           </a:p>
@@ -695,7 +695,7 @@
           <a:lstStyle/>
           <a:p>
             <a:fld id="{F5A644E5-93D9-C14E-96B8-3851E51A9DF2}" type="datetimeFigureOut">
-              <a:t>18/03/20</a:t>
+              <a:t>18/04/02</a:t>
             </a:fld>
             <a:endParaRPr kumimoji="1" lang="ja-JP" altLang="en-US"/>
           </a:p>
@@ -893,7 +893,7 @@
           <a:lstStyle/>
           <a:p>
             <a:fld id="{F5A644E5-93D9-C14E-96B8-3851E51A9DF2}" type="datetimeFigureOut">
-              <a:t>18/03/20</a:t>
+              <a:t>18/04/02</a:t>
             </a:fld>
             <a:endParaRPr kumimoji="1" lang="ja-JP" altLang="en-US"/>
           </a:p>
@@ -1138,7 +1138,7 @@
             <a:fld id="{42295D47-465E-4A05-802B-049480555B6D}" type="datetime1">
               <a:rPr lang="en-US" smtClean="0"/>
               <a:pPr/>
-              <a:t>18/03/20</a:t>
+              <a:t>18/04/02</a:t>
             </a:fld>
             <a:endParaRPr lang="en-US"/>
           </a:p>
@@ -1487,7 +1487,7 @@
           <a:lstStyle/>
           <a:p>
             <a:fld id="{F5A644E5-93D9-C14E-96B8-3851E51A9DF2}" type="datetimeFigureOut">
-              <a:t>18/03/20</a:t>
+              <a:t>18/04/02</a:t>
             </a:fld>
             <a:endParaRPr kumimoji="1" lang="ja-JP" altLang="en-US"/>
           </a:p>
@@ -1968,7 +1968,7 @@
           <a:lstStyle/>
           <a:p>
             <a:fld id="{F5A644E5-93D9-C14E-96B8-3851E51A9DF2}" type="datetimeFigureOut">
-              <a:t>18/03/20</a:t>
+              <a:t>18/04/02</a:t>
             </a:fld>
             <a:endParaRPr kumimoji="1" lang="ja-JP" altLang="en-US"/>
           </a:p>
@@ -2083,7 +2083,7 @@
           <a:lstStyle/>
           <a:p>
             <a:fld id="{F5A644E5-93D9-C14E-96B8-3851E51A9DF2}" type="datetimeFigureOut">
-              <a:t>18/03/20</a:t>
+              <a:t>18/04/02</a:t>
             </a:fld>
             <a:endParaRPr kumimoji="1" lang="ja-JP" altLang="en-US"/>
           </a:p>
@@ -2176,7 +2176,7 @@
           <a:lstStyle/>
           <a:p>
             <a:fld id="{F5A644E5-93D9-C14E-96B8-3851E51A9DF2}" type="datetimeFigureOut">
-              <a:t>18/03/20</a:t>
+              <a:t>18/04/02</a:t>
             </a:fld>
             <a:endParaRPr kumimoji="1" lang="ja-JP" altLang="en-US"/>
           </a:p>
@@ -2481,7 +2481,7 @@
           <a:lstStyle/>
           <a:p>
             <a:fld id="{F5A644E5-93D9-C14E-96B8-3851E51A9DF2}" type="datetimeFigureOut">
-              <a:t>18/03/20</a:t>
+              <a:t>18/04/02</a:t>
             </a:fld>
             <a:endParaRPr kumimoji="1" lang="ja-JP" altLang="en-US"/>
           </a:p>
@@ -2733,7 +2733,7 @@
           <a:lstStyle/>
           <a:p>
             <a:fld id="{F5A644E5-93D9-C14E-96B8-3851E51A9DF2}" type="datetimeFigureOut">
-              <a:t>18/03/20</a:t>
+              <a:t>18/04/02</a:t>
             </a:fld>
             <a:endParaRPr kumimoji="1" lang="ja-JP" altLang="en-US"/>
           </a:p>
@@ -2974,7 +2974,7 @@
           </a:lstStyle>
           <a:p>
             <a:fld id="{F5A644E5-93D9-C14E-96B8-3851E51A9DF2}" type="datetimeFigureOut">
-              <a:t>18/03/20</a:t>
+              <a:t>18/04/02</a:t>
             </a:fld>
             <a:endParaRPr kumimoji="1" lang="ja-JP" altLang="en-US"/>
           </a:p>
@@ -3373,8 +3373,8 @@
         </p:blipFill>
         <p:spPr>
           <a:xfrm>
-            <a:off x="5050057" y="1043842"/>
-            <a:ext cx="3202220" cy="2959398"/>
+            <a:off x="6216150" y="4361710"/>
+            <a:ext cx="2487270" cy="2298662"/>
           </a:xfrm>
           <a:prstGeom prst="rect">
             <a:avLst/>
@@ -3406,8 +3406,8 @@
         </p:blipFill>
         <p:spPr>
           <a:xfrm>
-            <a:off x="815323" y="1025249"/>
-            <a:ext cx="3556000" cy="3124200"/>
+            <a:off x="5687780" y="2419816"/>
+            <a:ext cx="2324416" cy="2042166"/>
           </a:xfrm>
           <a:prstGeom prst="rect">
             <a:avLst/>
@@ -3514,8 +3514,8 @@
         </p:blipFill>
         <p:spPr>
           <a:xfrm>
-            <a:off x="1063169" y="3685388"/>
-            <a:ext cx="2953763" cy="2981369"/>
+            <a:off x="533050" y="4515472"/>
+            <a:ext cx="2217474" cy="2238199"/>
           </a:xfrm>
           <a:prstGeom prst="rect">
             <a:avLst/>
@@ -3547,14 +3547,203 @@
         </p:blipFill>
         <p:spPr>
           <a:xfrm>
-            <a:off x="4814309" y="3685388"/>
-            <a:ext cx="3437968" cy="3271370"/>
+            <a:off x="3373074" y="4452143"/>
+            <a:ext cx="2418736" cy="2301528"/>
           </a:xfrm>
           <a:prstGeom prst="rect">
             <a:avLst/>
           </a:prstGeom>
         </p:spPr>
       </p:pic>
+      <p:pic>
+        <p:nvPicPr>
+          <p:cNvPr id="2" name="図 1" descr="screenshot_174.png"/>
+          <p:cNvPicPr>
+            <a:picLocks noChangeAspect="1"/>
+          </p:cNvPicPr>
+          <p:nvPr/>
+        </p:nvPicPr>
+        <p:blipFill>
+          <a:blip r:embed="rId14">
+            <a:extLst>
+              <a:ext uri="{28A0092B-C50C-407E-A947-70E740481C1C}">
+                <a14:useLocalDpi xmlns:a14="http://schemas.microsoft.com/office/drawing/2010/main" val="0"/>
+              </a:ext>
+            </a:extLst>
+          </a:blip>
+          <a:stretch>
+            <a:fillRect/>
+          </a:stretch>
+        </p:blipFill>
+        <p:spPr>
+          <a:xfrm>
+            <a:off x="711207" y="1516668"/>
+            <a:ext cx="3716678" cy="2487747"/>
+          </a:xfrm>
+          <a:prstGeom prst="rect">
+            <a:avLst/>
+          </a:prstGeom>
+          <a:ln>
+            <a:solidFill>
+              <a:schemeClr val="tx1"/>
+            </a:solidFill>
+          </a:ln>
+        </p:spPr>
+      </p:pic>
+      <p:sp>
+        <p:nvSpPr>
+          <p:cNvPr id="3" name="テキスト ボックス 2"/>
+          <p:cNvSpPr txBox="1"/>
+          <p:nvPr/>
+        </p:nvSpPr>
+        <p:spPr>
+          <a:xfrm>
+            <a:off x="4795970" y="1455123"/>
+            <a:ext cx="3742130" cy="830997"/>
+          </a:xfrm>
+          <a:prstGeom prst="rect">
+            <a:avLst/>
+          </a:prstGeom>
+          <a:noFill/>
+        </p:spPr>
+        <p:txBody>
+          <a:bodyPr wrap="none" rtlCol="0">
+            <a:spAutoFit/>
+          </a:bodyPr>
+          <a:lstStyle/>
+          <a:p>
+            <a:pPr marL="342900" indent="-342900">
+              <a:buFont typeface="Wingdings" charset="2"/>
+              <a:buChar char="l"/>
+            </a:pPr>
+            <a:r>
+              <a:rPr lang="en-US" altLang="ja-JP" sz="2400" b="1">
+                <a:solidFill>
+                  <a:srgbClr val="DC255E"/>
+                </a:solidFill>
+                <a:latin typeface="Helvetica"/>
+                <a:cs typeface="Helvetica"/>
+              </a:rPr>
+              <a:t>Elucidation of </a:t>
+            </a:r>
+          </a:p>
+          <a:p>
+            <a:r>
+              <a:rPr lang="en-US" altLang="ja-JP" sz="2400" b="1">
+                <a:solidFill>
+                  <a:srgbClr val="DC255E"/>
+                </a:solidFill>
+                <a:latin typeface="Helvetica"/>
+                <a:cs typeface="Helvetica"/>
+              </a:rPr>
+              <a:t>    biological mechanism </a:t>
+            </a:r>
+            <a:endParaRPr kumimoji="1" lang="ja-JP" altLang="en-US" sz="2400" b="1">
+              <a:solidFill>
+                <a:srgbClr val="DC255E"/>
+              </a:solidFill>
+              <a:latin typeface="Helvetica"/>
+              <a:cs typeface="Helvetica"/>
+            </a:endParaRPr>
+          </a:p>
+        </p:txBody>
+      </p:sp>
+      <p:sp>
+        <p:nvSpPr>
+          <p:cNvPr id="9" name="角丸四角形 8">
+            <a:extLst>
+              <a:ext uri="{FF2B5EF4-FFF2-40B4-BE49-F238E27FC236}">
+                <a16:creationId xmlns="" xmlns:a16="http://schemas.microsoft.com/office/drawing/2014/main" id="{D4A982FE-1910-AF49-A0F9-ABFF13276244}"/>
+              </a:ext>
+            </a:extLst>
+          </p:cNvPr>
+          <p:cNvSpPr/>
+          <p:nvPr/>
+        </p:nvSpPr>
+        <p:spPr>
+          <a:xfrm>
+            <a:off x="711208" y="2657137"/>
+            <a:ext cx="2625534" cy="1364616"/>
+          </a:xfrm>
+          <a:prstGeom prst="roundRect">
+            <a:avLst>
+              <a:gd name="adj" fmla="val 8792"/>
+            </a:avLst>
+          </a:prstGeom>
+          <a:noFill/>
+          <a:ln w="38100">
+            <a:solidFill>
+              <a:srgbClr val="FC263B"/>
+            </a:solidFill>
+            <a:prstDash val="sysDash"/>
+          </a:ln>
+          <a:effectLst/>
+        </p:spPr>
+        <p:style>
+          <a:lnRef idx="1">
+            <a:schemeClr val="accent1"/>
+          </a:lnRef>
+          <a:fillRef idx="3">
+            <a:schemeClr val="accent1"/>
+          </a:fillRef>
+          <a:effectRef idx="2">
+            <a:schemeClr val="accent1"/>
+          </a:effectRef>
+          <a:fontRef idx="minor">
+            <a:schemeClr val="lt1"/>
+          </a:fontRef>
+        </p:style>
+        <p:txBody>
+          <a:bodyPr rtlCol="0" anchor="ctr"/>
+          <a:lstStyle/>
+          <a:p>
+            <a:pPr algn="ctr"/>
+            <a:endParaRPr kumimoji="1" lang="ja-JP" altLang="en-US"/>
+          </a:p>
+        </p:txBody>
+      </p:sp>
+      <p:sp>
+        <p:nvSpPr>
+          <p:cNvPr id="6" name="テキスト ボックス 5"/>
+          <p:cNvSpPr txBox="1"/>
+          <p:nvPr/>
+        </p:nvSpPr>
+        <p:spPr>
+          <a:xfrm>
+            <a:off x="825716" y="4062857"/>
+            <a:ext cx="3306013" cy="400110"/>
+          </a:xfrm>
+          <a:prstGeom prst="rect">
+            <a:avLst/>
+          </a:prstGeom>
+          <a:noFill/>
+        </p:spPr>
+        <p:txBody>
+          <a:bodyPr wrap="none" rtlCol="0">
+            <a:spAutoFit/>
+          </a:bodyPr>
+          <a:lstStyle/>
+          <a:p>
+            <a:r>
+              <a:rPr kumimoji="1" lang="en-US" altLang="ja-JP" sz="2000" b="1">
+                <a:solidFill>
+                  <a:srgbClr val="D9254B"/>
+                </a:solidFill>
+                <a:latin typeface="Helvetica"/>
+                <a:cs typeface="Helvetica"/>
+              </a:rPr>
+              <a:t>Cell nucleus visualization</a:t>
+            </a:r>
+            <a:endParaRPr kumimoji="1" lang="ja-JP" altLang="en-US" sz="2000" b="1">
+              <a:solidFill>
+                <a:srgbClr val="D9254B"/>
+              </a:solidFill>
+              <a:latin typeface="Helvetica"/>
+              <a:cs typeface="Helvetica"/>
+            </a:endParaRPr>
+          </a:p>
+        </p:txBody>
+      </p:sp>
     </p:spTree>
     <p:extLst>
       <p:ext uri="{BB962C8B-B14F-4D97-AF65-F5344CB8AC3E}">
@@ -3565,11 +3754,11 @@
   <p:clrMapOvr>
     <a:masterClrMapping/>
   </p:clrMapOvr>
-  <mc:AlternateContent xmlns:mc="http://schemas.openxmlformats.org/markup-compatibility/2006">
-    <mc:Choice xmlns:p14="http://schemas.microsoft.com/office/powerpoint/2010/main" Requires="p14">
+  <mc:AlternateContent xmlns:mc="http://schemas.openxmlformats.org/markup-compatibility/2006" xmlns:p14="http://schemas.microsoft.com/office/powerpoint/2010/main">
+    <mc:Choice Requires="p14">
       <p:transition spd="slow" p14:dur="2000"/>
     </mc:Choice>
-    <mc:Fallback>
+    <mc:Fallback xmlns="">
       <p:transition xmlns:p14="http://schemas.microsoft.com/office/powerpoint/2010/main" spd="slow"/>
     </mc:Fallback>
   </mc:AlternateContent>
